--- a/DESCRIBE/Amicão.pptx
+++ b/DESCRIBE/Amicão.pptx
@@ -148,6 +148,7 @@
 <p1510:revInfo xmlns:a="http://schemas.openxmlformats.org/drawingml/2006/main" xmlns:r="http://schemas.openxmlformats.org/officeDocument/2006/relationships" xmlns:p1510="http://schemas.microsoft.com/office/powerpoint/2015/10/main">
   <p1510:revLst>
     <p1510:client id="{343FC544-9320-31E9-E6F1-78565FCF76D9}" v="132" dt="2022-04-27T00:47:53.965"/>
+    <p1510:client id="{F2E12980-E2FE-B3DF-3283-00A57EC91ED2}" v="9" dt="2022-04-27T01:00:31.532"/>
   </p1510:revLst>
 </p1510:revInfo>
 </file>
@@ -13011,10 +13012,10 @@
       </p:sp>
       <p:pic>
         <p:nvPicPr>
-          <p:cNvPr id="2" name="Picture 2" descr="Chart&#10;&#10;Description automatically generated">
+          <p:cNvPr id="3" name="Picture 3">
             <a:extLst>
               <a:ext uri="{FF2B5EF4-FFF2-40B4-BE49-F238E27FC236}">
-                <a16:creationId xmlns:a16="http://schemas.microsoft.com/office/drawing/2014/main" id="{63C240C1-7EC5-A887-00BB-E170C903C5A4}"/>
+                <a16:creationId xmlns:a16="http://schemas.microsoft.com/office/drawing/2014/main" id="{63E6980A-A442-2818-A4A9-2BCC79862E6B}"/>
               </a:ext>
             </a:extLst>
           </p:cNvPr>
@@ -13031,8 +13032,8 @@
         </p:blipFill>
         <p:spPr>
           <a:xfrm>
-            <a:off x="4694604" y="1894404"/>
-            <a:ext cx="3444468" cy="3537951"/>
+            <a:off x="4768923" y="1769796"/>
+            <a:ext cx="2939167" cy="3055787"/>
           </a:xfrm>
           <a:prstGeom prst="rect">
             <a:avLst/>
